--- a/Insights to Marketing Team in Food and Beverage Industry.pptx
+++ b/Insights to Marketing Team in Food and Beverage Industry.pptx
@@ -143,6 +143,7 @@
 <p1510:revInfo xmlns:a="http://schemas.openxmlformats.org/drawingml/2006/main" xmlns:r="http://schemas.openxmlformats.org/officeDocument/2006/relationships" xmlns:p1510="http://schemas.microsoft.com/office/powerpoint/2015/10/main">
   <p1510:revLst>
     <p1510:client id="{7EE09A4A-A310-4BC1-BE2E-0B4E2A7070B6}" v="4195" dt="2023-07-10T10:07:54.799"/>
+    <p1510:client id="{F9058D50-7367-22F4-B57A-470125E17DC5}" v="20" dt="2023-07-10T11:18:17.546"/>
   </p1510:revLst>
 </p1510:revInfo>
 </file>
@@ -21332,7 +21333,7 @@
         <p:spPr>
           <a:xfrm>
             <a:off x="4191001" y="694403"/>
-            <a:ext cx="7650725" cy="6740307"/>
+            <a:ext cx="7650725" cy="6186309"/>
           </a:xfrm>
           <a:prstGeom prst="rect">
             <a:avLst/>
@@ -21359,12 +21360,6 @@
               <a:rPr lang="en-US" dirty="0"/>
               <a:t>  It is evident in the visuals that price range and respondent's considerations of improvements desired in the product play a key role in achieving this.</a:t>
             </a:r>
-          </a:p>
-          <a:p>
-            <a:pPr marL="342900" indent="-342900">
-              <a:buAutoNum type="arabicPeriod"/>
-            </a:pPr>
-            <a:endParaRPr lang="en-US" dirty="0"/>
           </a:p>
           <a:p>
             <a:pPr marL="342900" indent="-342900">
@@ -21428,29 +21423,6 @@
           </a:p>
           <a:p>
             <a:r>
-              <a:rPr lang="en-US" sz="1600" dirty="0">
-                <a:solidFill>
-                  <a:srgbClr val="374151"/>
-                </a:solidFill>
-                <a:ea typeface="+mn-lt"/>
-                <a:cs typeface="+mn-lt"/>
-              </a:rPr>
-              <a:t> </a:t>
-            </a:r>
-            <a:r>
-              <a:rPr lang="en-US" dirty="0">
-                <a:solidFill>
-                  <a:srgbClr val="374151"/>
-                </a:solidFill>
-                <a:ea typeface="+mn-lt"/>
-                <a:cs typeface="+mn-lt"/>
-              </a:rPr>
-              <a:t>  </a:t>
-            </a:r>
-            <a:endParaRPr lang="en-US"/>
-          </a:p>
-          <a:p>
-            <a:r>
               <a:rPr lang="en-US" dirty="0"/>
               <a:t>3.   </a:t>
             </a:r>
@@ -21460,23 +21432,15 @@
             </a:r>
             <a:r>
               <a:rPr lang="en-US" dirty="0"/>
-              <a:t> Respondents who have tasted our product,  </a:t>
+              <a:t> Respondents who have tasted our product,         given a rating of 3 out of 5. Differentiating the product by highlighting </a:t>
             </a:r>
-          </a:p>
-          <a:p>
-            <a:r>
-              <a:rPr lang="en-US" dirty="0"/>
-              <a:t>      given a rating of 3 out of 5. Differentiating the product by highlighting </a:t>
-            </a:r>
+            <a:endParaRPr lang="en-US"/>
           </a:p>
           <a:p>
             <a:r>
               <a:rPr lang="en-US" dirty="0"/>
               <a:t>      Respondents preferred ingredients, innovative flavors, preferred                    packaging will set the product apart and attract the customers.</a:t>
             </a:r>
-          </a:p>
-          <a:p>
-            <a:endParaRPr lang="en-US" dirty="0"/>
           </a:p>
           <a:p>
             <a:r>
